--- a/Tableau2/Tableau II.pptx
+++ b/Tableau2/Tableau II.pptx
@@ -8747,18 +8747,18 @@
               <a:buNone/>
             </a:pPr>
             <a:r>
-              <a:rPr lang="en-US" sz="3600" smtClean="0"/>
+              <a:rPr lang="en-US" sz="3600" dirty="0" smtClean="0"/>
               <a:t/>
             </a:r>
             <a:br>
-              <a:rPr lang="en-US" sz="3600" smtClean="0"/>
+              <a:rPr lang="en-US" sz="3600" dirty="0" smtClean="0"/>
             </a:br>
             <a:r>
-              <a:rPr lang="en" sz="3600" smtClean="0"/>
+              <a:rPr lang="en" sz="3600" dirty="0" smtClean="0"/>
               <a:t>Workshop </a:t>
             </a:r>
             <a:r>
-              <a:rPr lang="en" sz="3600"/>
+              <a:rPr lang="en" sz="3600" dirty="0"/>
               <a:t>material for Tableau I</a:t>
             </a:r>
           </a:p>
